--- a/multiWayANOVA/13a_multiwayAnovaDarren.pptx
+++ b/multiWayANOVA/13a_multiwayAnovaDarren.pptx
@@ -239,7 +239,7 @@
           <a:p>
             <a:fld id="{5297B160-92B4-4D76-9D0D-0780B343C2DC}" type="datetimeFigureOut">
               <a:rPr lang="en-US" smtClean="0"/>
-              <a:t>2/12/18</a:t>
+              <a:t>2/19/18</a:t>
             </a:fld>
             <a:endParaRPr lang="en-US"/>
           </a:p>
@@ -656,6 +656,90 @@
           <a:p>
             <a:fld id="{0D91C3AD-E8EE-4C7C-A74B-4DBCBA7D8DAD}" type="slidenum">
               <a:rPr lang="en-US" smtClean="0"/>
+              <a:t>5</a:t>
+            </a:fld>
+            <a:endParaRPr lang="en-US"/>
+          </a:p>
+        </p:txBody>
+      </p:sp>
+    </p:spTree>
+    <p:extLst>
+      <p:ext uri="{BB962C8B-B14F-4D97-AF65-F5344CB8AC3E}">
+        <p14:creationId xmlns:p14="http://schemas.microsoft.com/office/powerpoint/2010/main" val="1999316561"/>
+      </p:ext>
+    </p:extLst>
+  </p:cSld>
+  <p:clrMapOvr>
+    <a:masterClrMapping/>
+  </p:clrMapOvr>
+</p:notes>
+</file>
+
+<file path=ppt/notesSlides/notesSlide3.xml><?xml version="1.0" encoding="utf-8"?>
+<p:notes xmlns:a="http://schemas.openxmlformats.org/drawingml/2006/main" xmlns:r="http://schemas.openxmlformats.org/officeDocument/2006/relationships" xmlns:p="http://schemas.openxmlformats.org/presentationml/2006/main">
+  <p:cSld>
+    <p:spTree>
+      <p:nvGrpSpPr>
+        <p:cNvPr id="1" name=""/>
+        <p:cNvGrpSpPr/>
+        <p:nvPr/>
+      </p:nvGrpSpPr>
+      <p:grpSpPr>
+        <a:xfrm>
+          <a:off x="0" y="0"/>
+          <a:ext cx="0" cy="0"/>
+          <a:chOff x="0" y="0"/>
+          <a:chExt cx="0" cy="0"/>
+        </a:xfrm>
+      </p:grpSpPr>
+      <p:sp>
+        <p:nvSpPr>
+          <p:cNvPr id="2" name="Slide Image Placeholder 1"/>
+          <p:cNvSpPr>
+            <a:spLocks noGrp="1" noRot="1" noChangeAspect="1"/>
+          </p:cNvSpPr>
+          <p:nvPr>
+            <p:ph type="sldImg"/>
+          </p:nvPr>
+        </p:nvSpPr>
+        <p:spPr/>
+      </p:sp>
+      <p:sp>
+        <p:nvSpPr>
+          <p:cNvPr id="3" name="Notes Placeholder 2"/>
+          <p:cNvSpPr>
+            <a:spLocks noGrp="1"/>
+          </p:cNvSpPr>
+          <p:nvPr>
+            <p:ph type="body" idx="1"/>
+          </p:nvPr>
+        </p:nvSpPr>
+        <p:spPr/>
+        <p:txBody>
+          <a:bodyPr/>
+          <a:lstStyle/>
+          <a:p>
+            <a:endParaRPr lang="en-US" dirty="0"/>
+          </a:p>
+        </p:txBody>
+      </p:sp>
+      <p:sp>
+        <p:nvSpPr>
+          <p:cNvPr id="4" name="Slide Number Placeholder 3"/>
+          <p:cNvSpPr>
+            <a:spLocks noGrp="1"/>
+          </p:cNvSpPr>
+          <p:nvPr>
+            <p:ph type="sldNum" sz="quarter" idx="10"/>
+          </p:nvPr>
+        </p:nvSpPr>
+        <p:spPr/>
+        <p:txBody>
+          <a:bodyPr/>
+          <a:lstStyle/>
+          <a:p>
+            <a:fld id="{0D91C3AD-E8EE-4C7C-A74B-4DBCBA7D8DAD}" type="slidenum">
+              <a:rPr lang="en-US" smtClean="0"/>
               <a:t>8</a:t>
             </a:fld>
             <a:endParaRPr lang="en-US"/>
@@ -675,7 +759,7 @@
 </p:notes>
 </file>
 
-<file path=ppt/notesSlides/notesSlide3.xml><?xml version="1.0" encoding="utf-8"?>
+<file path=ppt/notesSlides/notesSlide4.xml><?xml version="1.0" encoding="utf-8"?>
 <p:notes xmlns:a="http://schemas.openxmlformats.org/drawingml/2006/main" xmlns:r="http://schemas.openxmlformats.org/officeDocument/2006/relationships" xmlns:p="http://schemas.openxmlformats.org/presentationml/2006/main">
   <p:cSld>
     <p:spTree>
@@ -985,7 +1069,7 @@
           <a:p>
             <a:fld id="{5CC343A7-32E2-694E-9613-325035990FAE}" type="datetime1">
               <a:rPr lang="en-US" smtClean="0"/>
-              <a:t>2/12/18</a:t>
+              <a:t>2/19/18</a:t>
             </a:fld>
             <a:endParaRPr lang="en-US"/>
           </a:p>
@@ -1193,7 +1277,7 @@
           <a:p>
             <a:fld id="{84DCBB54-73C1-9D45-A6D1-5487972A89D9}" type="datetime1">
               <a:rPr lang="en-US" smtClean="0"/>
-              <a:t>2/12/18</a:t>
+              <a:t>2/19/18</a:t>
             </a:fld>
             <a:endParaRPr lang="en-US"/>
           </a:p>
@@ -1449,7 +1533,7 @@
           <a:p>
             <a:fld id="{20D89F16-99D5-2541-9711-CC0F02E7F1F6}" type="datetime1">
               <a:rPr lang="en-US" smtClean="0"/>
-              <a:t>2/12/18</a:t>
+              <a:t>2/19/18</a:t>
             </a:fld>
             <a:endParaRPr lang="en-US"/>
           </a:p>
@@ -1619,7 +1703,7 @@
           <a:p>
             <a:fld id="{BF454E4C-1DBA-9B44-900E-407DC34FBF1C}" type="datetime1">
               <a:rPr lang="en-US" smtClean="0"/>
-              <a:t>2/12/18</a:t>
+              <a:t>2/19/18</a:t>
             </a:fld>
             <a:endParaRPr lang="en-US"/>
           </a:p>
@@ -1962,7 +2046,7 @@
           <a:p>
             <a:fld id="{2BA23F74-8415-4C4A-89EE-0F562FD5EE31}" type="datetime1">
               <a:rPr lang="en-US" smtClean="0"/>
-              <a:t>2/12/18</a:t>
+              <a:t>2/19/18</a:t>
             </a:fld>
             <a:endParaRPr lang="en-US"/>
           </a:p>
@@ -2237,7 +2321,7 @@
           <a:p>
             <a:fld id="{978B864C-12A9-514B-A731-0B4CF4B0D2E6}" type="datetime1">
               <a:rPr lang="en-US" smtClean="0"/>
-              <a:t>2/12/18</a:t>
+              <a:t>2/19/18</a:t>
             </a:fld>
             <a:endParaRPr lang="en-US"/>
           </a:p>
@@ -2616,7 +2700,7 @@
           <a:p>
             <a:fld id="{621743E9-8714-BF4F-A2CD-80FB41963FBE}" type="datetime1">
               <a:rPr lang="en-US" smtClean="0"/>
-              <a:t>2/12/18</a:t>
+              <a:t>2/19/18</a:t>
             </a:fld>
             <a:endParaRPr lang="en-US"/>
           </a:p>
@@ -2734,7 +2818,7 @@
           <a:p>
             <a:fld id="{28183CBC-D8EE-C645-98A0-20E1EE9D1B2C}" type="datetime1">
               <a:rPr lang="en-US" smtClean="0"/>
-              <a:t>2/12/18</a:t>
+              <a:t>2/19/18</a:t>
             </a:fld>
             <a:endParaRPr lang="en-US"/>
           </a:p>
@@ -2905,7 +2989,7 @@
           <a:p>
             <a:fld id="{B38AA8E0-42C4-C04C-B181-2BAA929033B4}" type="datetime1">
               <a:rPr lang="en-US" smtClean="0"/>
-              <a:t>2/12/18</a:t>
+              <a:t>2/19/18</a:t>
             </a:fld>
             <a:endParaRPr lang="en-US"/>
           </a:p>
@@ -3259,7 +3343,7 @@
           <a:p>
             <a:fld id="{37F2C508-64EC-BA46-B3B0-BF15BA16133D}" type="datetime1">
               <a:rPr lang="en-US" smtClean="0"/>
-              <a:t>2/12/18</a:t>
+              <a:t>2/19/18</a:t>
             </a:fld>
             <a:endParaRPr lang="en-US"/>
           </a:p>
@@ -3636,7 +3720,7 @@
           <a:p>
             <a:fld id="{10A93043-FF55-054F-8D45-9786AA47478A}" type="datetime1">
               <a:rPr lang="en-US" smtClean="0"/>
-              <a:t>2/12/18</a:t>
+              <a:t>2/19/18</a:t>
             </a:fld>
             <a:endParaRPr lang="en-US"/>
           </a:p>
@@ -3923,7 +4007,7 @@
           <a:p>
             <a:fld id="{8903811A-63B3-3948-9481-534DE0B1AD39}" type="datetime1">
               <a:rPr lang="en-US" smtClean="0"/>
-              <a:t>2/12/18</a:t>
+              <a:t>2/19/18</a:t>
             </a:fld>
             <a:endParaRPr lang="en-US"/>
           </a:p>
@@ -4472,11 +4556,7 @@
           <a:p>
             <a:r>
               <a:rPr lang="en-US" dirty="0" smtClean="0"/>
-              <a:t>Multi-way </a:t>
-            </a:r>
-            <a:r>
-              <a:rPr lang="en-US" dirty="0" smtClean="0"/>
-              <a:t>ANOVA</a:t>
+              <a:t>Multi-way ANOVA</a:t>
             </a:r>
             <a:endParaRPr lang="en-US" dirty="0"/>
           </a:p>
@@ -4525,7 +4605,6 @@
               <a:rPr lang="en-US" dirty="0" smtClean="0"/>
               <a:t>Profile Plots</a:t>
             </a:r>
-            <a:endParaRPr lang="en-US" dirty="0" smtClean="0"/>
           </a:p>
         </p:txBody>
       </p:sp>
@@ -4658,11 +4737,7 @@
           <a:p>
             <a:r>
               <a:rPr lang="en-US" b="1" dirty="0" smtClean="0"/>
-              <a:t>Example</a:t>
-            </a:r>
-            <a:r>
-              <a:rPr lang="en-US" b="1" dirty="0" smtClean="0"/>
-              <a:t>:</a:t>
+              <a:t>Example:</a:t>
             </a:r>
             <a:r>
               <a:rPr lang="en-US" dirty="0" smtClean="0"/>
@@ -4674,15 +4749,7 @@
             </a:r>
             <a:r>
               <a:rPr lang="en-US" dirty="0" smtClean="0"/>
-              <a:t>Examine the relationship between </a:t>
-            </a:r>
-            <a:r>
-              <a:rPr lang="en-US" dirty="0" smtClean="0"/>
-              <a:t>pollution and </a:t>
-            </a:r>
-            <a:r>
-              <a:rPr lang="en-US" dirty="0" smtClean="0"/>
-              <a:t>fish lesions</a:t>
+              <a:t>Examine the relationship between pollution and fish lesions</a:t>
             </a:r>
           </a:p>
           <a:p>
@@ -4704,13 +4771,8 @@
             </a:r>
             <a:r>
               <a:rPr lang="en-US" dirty="0" smtClean="0"/>
-              <a:t>with 10 </a:t>
-            </a:r>
-            <a:r>
-              <a:rPr lang="en-US" dirty="0" smtClean="0"/>
-              <a:t>fish</a:t>
-            </a:r>
-            <a:endParaRPr lang="en-US" dirty="0" smtClean="0"/>
+              <a:t>with 10 fish</a:t>
+            </a:r>
           </a:p>
           <a:p>
             <a:pPr>
@@ -4729,11 +4791,7 @@
             </a:pPr>
             <a:r>
               <a:rPr lang="en-US" dirty="0" smtClean="0"/>
-              <a:t> </a:t>
-            </a:r>
-            <a:r>
-              <a:rPr lang="en-US" dirty="0" smtClean="0"/>
-              <a:t>Wait </a:t>
+              <a:t> Wait </a:t>
             </a:r>
             <a:r>
               <a:rPr lang="en-US" dirty="0"/>
@@ -4749,11 +4807,7 @@
             </a:r>
             <a:r>
               <a:rPr lang="en-US" dirty="0" smtClean="0"/>
-              <a:t> </a:t>
-            </a:r>
-            <a:r>
-              <a:rPr lang="en-US" dirty="0" smtClean="0"/>
-              <a:t>fish </a:t>
+              <a:t> fish </a:t>
             </a:r>
             <a:r>
               <a:rPr lang="en-US" dirty="0"/>
@@ -4802,19 +4856,7 @@
             </a:pPr>
             <a:r>
               <a:rPr lang="en-US" dirty="0" smtClean="0"/>
-              <a:t>(A two-factor </a:t>
-            </a:r>
-            <a:r>
-              <a:rPr lang="en-US" dirty="0" smtClean="0"/>
-              <a:t>design (aquarium </a:t>
-            </a:r>
-            <a:r>
-              <a:rPr lang="en-US" dirty="0" smtClean="0"/>
-              <a:t>and </a:t>
-            </a:r>
-            <a:r>
-              <a:rPr lang="en-US" dirty="0" smtClean="0"/>
-              <a:t>treatment), we will call it </a:t>
+              <a:t>(A two-factor design (aquarium and treatment), we will call it </a:t>
             </a:r>
             <a:r>
               <a:rPr lang="en-US" dirty="0"/>
@@ -4938,20 +4980,11 @@
               <a:rPr lang="en-US" dirty="0" smtClean="0"/>
               <a:t>”</a:t>
             </a:r>
-            <a:endParaRPr lang="en-US" dirty="0" smtClean="0"/>
-          </a:p>
-          <a:p>
-            <a:r>
-              <a:rPr lang="en-US" dirty="0" smtClean="0"/>
-              <a:t>Sometimes </a:t>
-            </a:r>
-            <a:r>
-              <a:rPr lang="en-US" dirty="0" smtClean="0"/>
-              <a:t>experimental units come in “groups” that are </a:t>
-            </a:r>
-            <a:r>
-              <a:rPr lang="en-US" dirty="0" smtClean="0"/>
-              <a:t>similar, but this grouping structure isn’t of direct interest.</a:t>
+          </a:p>
+          <a:p>
+            <a:r>
+              <a:rPr lang="en-US" dirty="0" smtClean="0"/>
+              <a:t>Sometimes experimental units come in “groups” that are similar, but this grouping structure isn’t of direct interest.</a:t>
             </a:r>
           </a:p>
           <a:p>
@@ -4976,23 +5009,11 @@
           <a:p>
             <a:r>
               <a:rPr lang="en-US" b="1" dirty="0" smtClean="0"/>
-              <a:t>Example</a:t>
-            </a:r>
-            <a:r>
-              <a:rPr lang="en-US" b="1" dirty="0" smtClean="0"/>
-              <a:t>:</a:t>
-            </a:r>
-            <a:r>
-              <a:rPr lang="en-US" dirty="0" smtClean="0"/>
-              <a:t> We have a field of plots for experimenting between two species of corn.  The field is broken up into 8 plots, but due to a slight slope in the field, 4 of the plots are “up slope” and 4 of the plots are “down slope”.  This </a:t>
-            </a:r>
-            <a:r>
-              <a:rPr lang="en-US" dirty="0" smtClean="0"/>
-              <a:t>up vs. down slope factor would </a:t>
-            </a:r>
-            <a:r>
-              <a:rPr lang="en-US" dirty="0" smtClean="0"/>
-              <a:t>be a blocking explanatory variable</a:t>
+              <a:t>Example:</a:t>
+            </a:r>
+            <a:r>
+              <a:rPr lang="en-US" dirty="0" smtClean="0"/>
+              <a:t> We have a field of plots for experimenting between two species of corn.  The field is broken up into 8 plots, but due to a slight slope in the field, 4 of the plots are “up slope” and 4 of the plots are “down slope”.  This up vs. down slope factor would be a blocking explanatory variable</a:t>
             </a:r>
           </a:p>
           <a:p>
@@ -5106,8 +5127,8 @@
           </a:p>
         </p:txBody>
       </p:sp>
-      <mc:AlternateContent xmlns:mc="http://schemas.openxmlformats.org/markup-compatibility/2006">
-        <mc:Choice xmlns:a14="http://schemas.microsoft.com/office/drawing/2010/main" Requires="a14">
+      <mc:AlternateContent xmlns:mc="http://schemas.openxmlformats.org/markup-compatibility/2006" xmlns:a14="http://schemas.microsoft.com/office/drawing/2010/main">
+        <mc:Choice Requires="a14">
           <p:sp>
             <p:nvSpPr>
               <p:cNvPr id="3" name="Content Placeholder 2"/>
@@ -5158,17 +5179,8 @@
               <a:p>
                 <a:r>
                   <a:rPr lang="en-US" dirty="0" smtClean="0"/>
-                  <a:t>Suppose </a:t>
+                  <a:t>Suppose there are two or more factors</a:t>
                 </a:r>
-                <a:r>
-                  <a:rPr lang="en-US" dirty="0" smtClean="0"/>
-                  <a:t>there are two or more </a:t>
-                </a:r>
-                <a:r>
-                  <a:rPr lang="en-US" dirty="0" smtClean="0"/>
-                  <a:t>factors</a:t>
-                </a:r>
-                <a:endParaRPr lang="en-US" dirty="0" smtClean="0"/>
               </a:p>
               <a:p>
                 <a:r>
@@ -5193,37 +5205,13 @@
                 </a:r>
                 <a:r>
                   <a:rPr lang="en-US" dirty="0" smtClean="0"/>
-                  <a:t>design is when t</a:t>
-                </a:r>
-                <a:r>
-                  <a:rPr lang="en-US" dirty="0" smtClean="0"/>
-                  <a:t>he experimental </a:t>
-                </a:r>
-                <a:r>
-                  <a:rPr lang="en-US" dirty="0" smtClean="0"/>
-                  <a:t>unit </a:t>
-                </a:r>
-                <a:r>
-                  <a:rPr lang="en-US" dirty="0" smtClean="0"/>
-                  <a:t>is different for different </a:t>
-                </a:r>
-                <a:r>
-                  <a:rPr lang="en-US" dirty="0" smtClean="0"/>
-                  <a:t>explanatory </a:t>
-                </a:r>
-                <a:r>
-                  <a:rPr lang="en-US" dirty="0" smtClean="0"/>
-                  <a:t>variables</a:t>
+                  <a:t>design is when the experimental unit is different for different explanatory variables</a:t>
                 </a:r>
               </a:p>
               <a:p>
                 <a:r>
                   <a:rPr lang="en-US" b="1" dirty="0" smtClean="0"/>
-                  <a:t>Example</a:t>
-                </a:r>
-                <a:r>
-                  <a:rPr lang="en-US" b="1" dirty="0" smtClean="0"/>
-                  <a:t>:</a:t>
+                  <a:t>Example:</a:t>
                 </a:r>
                 <a:r>
                   <a:rPr lang="en-US" dirty="0" smtClean="0"/>
@@ -5235,15 +5223,7 @@
                 </a:r>
                 <a:r>
                   <a:rPr lang="en-US" dirty="0" smtClean="0"/>
-                  <a:t>8 plots </a:t>
-                </a:r>
-                <a:r>
-                  <a:rPr lang="en-US" dirty="0" smtClean="0"/>
-                  <a:t>allocated for testing </a:t>
-                </a:r>
-                <a:r>
-                  <a:rPr lang="en-US" dirty="0" smtClean="0"/>
-                  <a:t>two different species </a:t>
+                  <a:t>8 plots allocated for testing two different species </a:t>
                 </a:r>
                 <a:r>
                   <a:rPr lang="en-US" dirty="0"/>
@@ -5257,11 +5237,7 @@
               <a:p>
                 <a:r>
                   <a:rPr lang="en-US" dirty="0" smtClean="0"/>
-                  <a:t>So </a:t>
-                </a:r>
-                <a:r>
-                  <a:rPr lang="en-US" dirty="0" smtClean="0"/>
-                  <a:t>we have an </a:t>
+                  <a:t>So we have an </a:t>
                 </a:r>
                 <a14:m>
                   <m:oMath xmlns:m="http://schemas.openxmlformats.org/officeDocument/2006/math">
@@ -5360,11 +5336,7 @@
                 </a:r>
                 <a:r>
                   <a:rPr lang="en-US" dirty="0" smtClean="0"/>
-                  <a:t>irrigation: group of </a:t>
-                </a:r>
-                <a:r>
-                  <a:rPr lang="en-US" dirty="0" smtClean="0"/>
-                  <a:t>4 plots (known as the </a:t>
+                  <a:t>irrigation: group of 4 plots (known as the </a:t>
                 </a:r>
                 <a:r>
                   <a:rPr lang="en-US" b="1" u="sng" cap="small" dirty="0" smtClean="0">
@@ -5372,15 +5344,7 @@
                       <a:srgbClr val="FF0000"/>
                     </a:solidFill>
                   </a:rPr>
-                  <a:t>whole</a:t>
-                </a:r>
-                <a:r>
-                  <a:rPr lang="en-US" b="1" u="sng" cap="small" dirty="0" smtClean="0">
-                    <a:solidFill>
-                      <a:srgbClr val="FF0000"/>
-                    </a:solidFill>
-                  </a:rPr>
-                  <a:t> </a:t>
+                  <a:t>whole </a:t>
                 </a:r>
                 <a:r>
                   <a:rPr lang="en-US" b="1" u="sng" cap="small" dirty="0">
@@ -5394,7 +5358,6 @@
                   <a:rPr lang="en-US" dirty="0" smtClean="0"/>
                   <a:t>)</a:t>
                 </a:r>
-                <a:endParaRPr lang="en-US" dirty="0" smtClean="0"/>
               </a:p>
               <a:p>
                 <a:pPr>
@@ -5403,11 +5366,7 @@
                 </a:pPr>
                 <a:r>
                   <a:rPr lang="en-US" dirty="0" smtClean="0"/>
-                  <a:t> treatment: individual </a:t>
-                </a:r>
-                <a:r>
-                  <a:rPr lang="en-US" dirty="0" smtClean="0"/>
-                  <a:t>plot (known as the </a:t>
+                  <a:t> treatment: individual plot (known as the </a:t>
                 </a:r>
                 <a:r>
                   <a:rPr lang="en-US" b="1" u="sng" cap="small" dirty="0">
@@ -5426,7 +5385,7 @@
             </p:txBody>
           </p:sp>
         </mc:Choice>
-        <mc:Fallback>
+        <mc:Fallback xmlns="">
           <p:sp>
             <p:nvSpPr>
               <p:cNvPr id="3" name="Content Placeholder 2"/>
@@ -5647,15 +5606,7 @@
             </a:pPr>
             <a:r>
               <a:rPr lang="en-US" dirty="0" smtClean="0"/>
-              <a:t>Set up an experimental </a:t>
-            </a:r>
-            <a:r>
-              <a:rPr lang="en-US" dirty="0" smtClean="0"/>
-              <a:t>design </a:t>
-            </a:r>
-            <a:r>
-              <a:rPr lang="en-US" dirty="0" smtClean="0"/>
-              <a:t>given there is a single heater on one side of the room and answer:</a:t>
+              <a:t>Set up an experimental design given there is a single heater on one side of the room and answer:</a:t>
             </a:r>
           </a:p>
           <a:p>
@@ -5711,13 +5662,8 @@
             </a:pPr>
             <a:r>
               <a:rPr lang="en-US" dirty="0" smtClean="0"/>
-              <a:t> Is this a split-plot design</a:t>
-            </a:r>
-            <a:r>
-              <a:rPr lang="en-US" dirty="0" smtClean="0"/>
-              <a:t>? If so, what is the whole plot and split plot?</a:t>
-            </a:r>
-            <a:endParaRPr lang="en-US" dirty="0" smtClean="0"/>
+              <a:t> Is this a split-plot design? If so, what is the whole plot and split plot?</a:t>
+            </a:r>
           </a:p>
         </p:txBody>
       </p:sp>
@@ -5919,7 +5865,18 @@
             </a:r>
             <a:r>
               <a:rPr lang="en-US" dirty="0" smtClean="0"/>
-              <a:t>design).  If a factor has levels that only occur at certain levels of another factor, then one is </a:t>
+              <a:t>design).  </a:t>
+            </a:r>
+            <a:endParaRPr lang="en-US" dirty="0" smtClean="0"/>
+          </a:p>
+          <a:p>
+            <a:r>
+              <a:rPr lang="en-US" dirty="0" smtClean="0"/>
+              <a:t>If factor </a:t>
+            </a:r>
+            <a:r>
+              <a:rPr lang="en-US" dirty="0" smtClean="0"/>
+              <a:t>B is </a:t>
             </a:r>
             <a:r>
               <a:rPr lang="en-US" b="1" u="sng" cap="small" dirty="0" smtClean="0">
@@ -5935,8 +5892,9 @@
             </a:r>
             <a:r>
               <a:rPr lang="en-US" dirty="0" smtClean="0"/>
-              <a:t>in the other</a:t>
-            </a:r>
+              <a:t>in a factor A if every level of B occurs within exactly one level of A</a:t>
+            </a:r>
+            <a:endParaRPr lang="en-US" dirty="0" smtClean="0"/>
           </a:p>
         </p:txBody>
       </p:sp>
@@ -6046,96 +6004,126 @@
           <a:lstStyle/>
           <a:p>
             <a:r>
-              <a:rPr lang="en-US" b="1" dirty="0"/>
+              <a:rPr lang="en-US" sz="1900" b="1" dirty="0" smtClean="0"/>
+              <a:t>“</a:t>
+            </a:r>
+            <a:r>
+              <a:rPr lang="en-US" sz="1900" dirty="0"/>
+              <a:t>If factor B is </a:t>
+            </a:r>
+            <a:r>
+              <a:rPr lang="en-US" sz="1900" b="1" u="sng" cap="small" dirty="0">
+                <a:solidFill>
+                  <a:srgbClr val="FF0000"/>
+                </a:solidFill>
+              </a:rPr>
+              <a:t>nested</a:t>
+            </a:r>
+            <a:r>
+              <a:rPr lang="en-US" sz="1900" dirty="0"/>
+              <a:t> in a factor A if </a:t>
+            </a:r>
+            <a:r>
+              <a:rPr lang="en-US" sz="1900" dirty="0" smtClean="0"/>
+              <a:t>each </a:t>
+            </a:r>
+            <a:r>
+              <a:rPr lang="en-US" sz="1900" dirty="0"/>
+              <a:t>level of B occurs within </a:t>
+            </a:r>
+            <a:r>
+              <a:rPr lang="en-US" sz="1900" dirty="0" smtClean="0"/>
+              <a:t>only </a:t>
+            </a:r>
+            <a:r>
+              <a:rPr lang="en-US" sz="1900" dirty="0"/>
+              <a:t>one level of </a:t>
+            </a:r>
+            <a:r>
+              <a:rPr lang="en-US" sz="1900" dirty="0" smtClean="0"/>
+              <a:t>A”</a:t>
+            </a:r>
+            <a:endParaRPr lang="en-US" sz="1900" b="1" dirty="0" smtClean="0"/>
+          </a:p>
+          <a:p>
+            <a:r>
+              <a:rPr lang="en-US" sz="1900" b="1" dirty="0" smtClean="0"/>
+              <a:t>Example</a:t>
+            </a:r>
+            <a:r>
+              <a:rPr lang="en-US" sz="1900" b="1" dirty="0"/>
+              <a:t>:</a:t>
+            </a:r>
+            <a:r>
+              <a:rPr lang="en-US" sz="1900" dirty="0"/>
+              <a:t> </a:t>
+            </a:r>
+            <a:r>
+              <a:rPr lang="en-US" sz="1900" dirty="0" smtClean="0"/>
+              <a:t>Two </a:t>
+            </a:r>
+            <a:r>
+              <a:rPr lang="en-US" sz="1900" dirty="0"/>
+              <a:t>levels of a treatment correspond to a hormone therapy involving estrogen.</a:t>
+            </a:r>
+          </a:p>
+          <a:p>
+            <a:r>
+              <a:rPr lang="en-US" sz="1900" dirty="0"/>
+              <a:t>Due to differences in genders, standards of care demand different amounts of estrogen are administered to females than males.  </a:t>
+            </a:r>
+          </a:p>
+          <a:p>
+            <a:r>
+              <a:rPr lang="en-US" sz="1900" dirty="0"/>
+              <a:t>In this case the treatment is nested in gender</a:t>
+            </a:r>
+            <a:r>
+              <a:rPr lang="en-US" sz="1900" dirty="0" smtClean="0"/>
+              <a:t>.</a:t>
+            </a:r>
+            <a:endParaRPr lang="en-US" sz="1900" b="1" dirty="0" smtClean="0"/>
+          </a:p>
+          <a:p>
+            <a:r>
+              <a:rPr lang="en-US" sz="1900" b="1" dirty="0" smtClean="0"/>
               <a:t>Example:</a:t>
             </a:r>
             <a:r>
-              <a:rPr lang="en-US" dirty="0"/>
-              <a:t> </a:t>
-            </a:r>
-            <a:r>
-              <a:rPr lang="en-US" dirty="0" smtClean="0"/>
-              <a:t>Two </a:t>
-            </a:r>
-            <a:r>
-              <a:rPr lang="en-US" dirty="0"/>
-              <a:t>levels of a treatment correspond to a hormone therapy involving estrogen.</a:t>
-            </a:r>
-          </a:p>
-          <a:p>
-            <a:r>
-              <a:rPr lang="en-US" dirty="0"/>
-              <a:t>Due to differences in genders, standards of care demand different amounts of estrogen are administered to females than males.  </a:t>
-            </a:r>
-          </a:p>
-          <a:p>
-            <a:r>
-              <a:rPr lang="en-US" dirty="0"/>
-              <a:t>In this case the treatment is nested in gender</a:t>
-            </a:r>
-            <a:r>
-              <a:rPr lang="en-US" dirty="0" smtClean="0"/>
-              <a:t>.</a:t>
-            </a:r>
-            <a:endParaRPr lang="en-US" b="1" dirty="0" smtClean="0"/>
-          </a:p>
-          <a:p>
-            <a:r>
-              <a:rPr lang="en-US" b="1" dirty="0" smtClean="0"/>
-              <a:t>Example</a:t>
-            </a:r>
-            <a:r>
-              <a:rPr lang="en-US" b="1" dirty="0" smtClean="0"/>
-              <a:t>:</a:t>
-            </a:r>
-            <a:r>
-              <a:rPr lang="en-US" dirty="0" smtClean="0"/>
-              <a:t> I have 4 fertilizers and 2 plant species.  I apply all 4 fertilizers to </a:t>
-            </a:r>
-            <a:r>
-              <a:rPr lang="en-US" dirty="0" smtClean="0"/>
-              <a:t>both </a:t>
-            </a:r>
-            <a:r>
-              <a:rPr lang="en-US" dirty="0" smtClean="0"/>
-              <a:t>plant </a:t>
-            </a:r>
-            <a:r>
-              <a:rPr lang="en-US" dirty="0" smtClean="0"/>
-              <a:t>species</a:t>
-            </a:r>
-          </a:p>
-          <a:p>
-            <a:r>
-              <a:rPr lang="en-US" dirty="0"/>
+              <a:rPr lang="en-US" sz="1900" dirty="0" smtClean="0"/>
+              <a:t> I have 4 fertilizers and 2 plant species.  I apply all 4 fertilizers to both plant species</a:t>
+            </a:r>
+          </a:p>
+          <a:p>
+            <a:r>
+              <a:rPr lang="en-US" sz="1900" dirty="0"/>
               <a:t>In this case the </a:t>
             </a:r>
             <a:r>
-              <a:rPr lang="en-US" dirty="0" smtClean="0"/>
+              <a:rPr lang="en-US" sz="1900" dirty="0" smtClean="0"/>
               <a:t>these factors are crossed.</a:t>
             </a:r>
-            <a:endParaRPr lang="en-US" dirty="0" smtClean="0"/>
-          </a:p>
-          <a:p>
-            <a:r>
-              <a:rPr lang="en-US" b="1" dirty="0" smtClean="0"/>
+          </a:p>
+          <a:p>
+            <a:r>
+              <a:rPr lang="en-US" sz="1900" b="1" dirty="0" smtClean="0"/>
               <a:t>Example:</a:t>
             </a:r>
             <a:r>
-              <a:rPr lang="en-US" dirty="0" smtClean="0"/>
+              <a:rPr lang="en-US" sz="1900" dirty="0" smtClean="0"/>
               <a:t> I have 4 fertilizers and 2 plant species.  I apply 2 fertilizers to one species and I apply the other 2 fertilizers to the other species</a:t>
             </a:r>
           </a:p>
           <a:p>
             <a:r>
-              <a:rPr lang="en-US" dirty="0"/>
+              <a:rPr lang="en-US" sz="1900" dirty="0"/>
               <a:t>In this case the </a:t>
             </a:r>
             <a:r>
-              <a:rPr lang="en-US" dirty="0" smtClean="0"/>
+              <a:rPr lang="en-US" sz="1900" dirty="0" smtClean="0"/>
               <a:t>fertilizer is nested in species</a:t>
             </a:r>
-            <a:endParaRPr lang="en-US" dirty="0"/>
+            <a:endParaRPr lang="en-US" sz="1900" dirty="0"/>
           </a:p>
         </p:txBody>
       </p:sp>
@@ -6305,8 +6293,8 @@
           </a:p>
         </p:txBody>
       </p:sp>
-      <mc:AlternateContent xmlns:mc="http://schemas.openxmlformats.org/markup-compatibility/2006">
-        <mc:Choice xmlns:a14="http://schemas.microsoft.com/office/drawing/2010/main" Requires="a14">
+      <mc:AlternateContent xmlns:mc="http://schemas.openxmlformats.org/markup-compatibility/2006" xmlns:a14="http://schemas.microsoft.com/office/drawing/2010/main">
+        <mc:Choice Requires="a14">
           <p:sp>
             <p:nvSpPr>
               <p:cNvPr id="16" name="TextBox 15"/>
@@ -6316,7 +6304,7 @@
             <p:spPr>
               <a:xfrm>
                 <a:off x="822960" y="1676400"/>
-                <a:ext cx="4287584" cy="4008470"/>
+                <a:ext cx="8438207" cy="4274503"/>
               </a:xfrm>
               <a:prstGeom prst="rect">
                 <a:avLst/>
@@ -6329,14 +6317,12 @@
               </a:bodyPr>
               <a:lstStyle/>
               <a:p>
+                <a:pPr marL="342900" indent="-342900">
+                  <a:buFont typeface="Arial" charset="0"/>
+                  <a:buChar char="•"/>
+                </a:pPr>
                 <a14:m>
                   <m:oMath xmlns:m="http://schemas.openxmlformats.org/officeDocument/2006/math">
-                    <m:r>
-                      <a:rPr lang="en-US" sz="2000" b="0" i="0" dirty="0" smtClean="0">
-                        <a:latin typeface="Cambria Math" charset="0"/>
-                      </a:rPr>
-                      <m:t> </m:t>
-                    </m:r>
                     <m:sSub>
                       <m:sSubPr>
                         <m:ctrlPr>
@@ -6438,10 +6424,14 @@
               <a:p>
                 <a:r>
                   <a:rPr lang="en-US" sz="2000" dirty="0" smtClean="0"/>
-                  <a:t>alternatively: </a:t>
+                  <a:t>or</a:t>
                 </a:r>
               </a:p>
               <a:p>
+                <a:pPr marL="342900" indent="-342900">
+                  <a:buFont typeface="Arial" charset="0"/>
+                  <a:buChar char="•"/>
+                </a:pPr>
                 <a14:m>
                   <m:oMath xmlns:m="http://schemas.openxmlformats.org/officeDocument/2006/math">
                     <m:sSub>
@@ -6560,122 +6550,178 @@
               </a:p>
               <a:p>
                 <a:r>
-                  <a:rPr lang="en-US" sz="2000" dirty="0" smtClean="0"/>
-                  <a:t>or </a:t>
+                  <a:rPr lang="en-US" sz="1600" dirty="0" smtClean="0"/>
+                  <a:t>(Often called the ANOVA model due to the overall mean </a:t>
+                </a:r>
+                <a14:m>
+                  <m:oMath xmlns:m="http://schemas.openxmlformats.org/officeDocument/2006/math">
+                    <m:r>
+                      <a:rPr lang="en-US" sz="1600" i="1" dirty="0">
+                        <a:latin typeface="Cambria Math" charset="0"/>
+                        <a:ea typeface="Cambria Math" charset="0"/>
+                        <a:cs typeface="Cambria Math" charset="0"/>
+                      </a:rPr>
+                      <m:t>𝜇</m:t>
+                    </m:r>
+                  </m:oMath>
+                </a14:m>
+                <a:r>
+                  <a:rPr lang="en-US" sz="1600" dirty="0" smtClean="0"/>
+                  <a:t> and each group mean </a:t>
+                </a:r>
+                <a14:m>
+                  <m:oMath xmlns:m="http://schemas.openxmlformats.org/officeDocument/2006/math">
+                    <m:sSub>
+                      <m:sSubPr>
+                        <m:ctrlPr>
+                          <a:rPr lang="en-US" sz="1600" i="1" dirty="0">
+                            <a:latin typeface="Cambria Math" charset="0"/>
+                          </a:rPr>
+                        </m:ctrlPr>
+                      </m:sSubPr>
+                      <m:e>
+                        <m:r>
+                          <a:rPr lang="en-US" sz="1600" i="1" dirty="0">
+                            <a:latin typeface="Cambria Math" charset="0"/>
+                            <a:ea typeface="Cambria Math" charset="0"/>
+                            <a:cs typeface="Cambria Math" charset="0"/>
+                          </a:rPr>
+                          <m:t>𝜇</m:t>
+                        </m:r>
+                      </m:e>
+                      <m:sub>
+                        <m:r>
+                          <a:rPr lang="en-US" sz="1600" i="1" dirty="0">
+                            <a:latin typeface="Cambria Math" charset="0"/>
+                          </a:rPr>
+                          <m:t>𝑗</m:t>
+                        </m:r>
+                      </m:sub>
+                    </m:sSub>
+                  </m:oMath>
+                </a14:m>
+                <a:r>
+                  <a:rPr lang="en-US" sz="1600" dirty="0" smtClean="0"/>
+                  <a:t> being included)</a:t>
                 </a:r>
               </a:p>
               <a:p>
-                <a:pPr/>
+                <a:r>
+                  <a:rPr lang="en-US" sz="2000" smtClean="0"/>
+                  <a:t>or</a:t>
+                </a:r>
+                <a:endParaRPr lang="en-US" sz="2000" dirty="0" smtClean="0"/>
+              </a:p>
+              <a:p>
+                <a:pPr marL="342900" indent="-342900">
+                  <a:buFont typeface="Arial" charset="0"/>
+                  <a:buChar char="•"/>
+                </a:pPr>
                 <a14:m>
-                  <m:oMathPara xmlns:m="http://schemas.openxmlformats.org/officeDocument/2006/math">
-                    <m:oMathParaPr>
-                      <m:jc m:val="left"/>
-                    </m:oMathParaPr>
-                    <m:oMath xmlns:m="http://schemas.openxmlformats.org/officeDocument/2006/math">
-                      <m:r>
-                        <a:rPr lang="en-US" sz="2000" i="1" dirty="0">
-                          <a:latin typeface="Cambria Math" charset="0"/>
-                          <a:ea typeface="Cambria Math" charset="0"/>
-                          <a:cs typeface="Cambria Math" charset="0"/>
-                        </a:rPr>
-                        <m:t>𝜇</m:t>
-                      </m:r>
-                      <m:d>
-                        <m:dPr>
-                          <m:begChr m:val="{"/>
-                          <m:endChr m:val="}"/>
-                          <m:ctrlPr>
-                            <a:rPr lang="en-US" sz="2000" i="1" dirty="0">
-                              <a:latin typeface="Cambria Math" charset="0"/>
-                              <a:ea typeface="Cambria Math" charset="0"/>
-                              <a:cs typeface="Cambria Math" charset="0"/>
-                            </a:rPr>
-                          </m:ctrlPr>
-                        </m:dPr>
-                        <m:e>
-                          <m:r>
-                            <a:rPr lang="en-US" sz="2000" i="1" dirty="0">
-                              <a:latin typeface="Cambria Math" charset="0"/>
-                              <a:ea typeface="Cambria Math" charset="0"/>
-                              <a:cs typeface="Cambria Math" charset="0"/>
-                            </a:rPr>
-                            <m:t>𝑌</m:t>
-                          </m:r>
-                          <m:r>
-                            <a:rPr lang="en-US" sz="2000" i="1" dirty="0">
-                              <a:latin typeface="Cambria Math" charset="0"/>
-                              <a:ea typeface="Cambria Math" charset="0"/>
-                              <a:cs typeface="Cambria Math" charset="0"/>
-                            </a:rPr>
-                            <m:t>|</m:t>
-                          </m:r>
-                          <m:r>
-                            <a:rPr lang="en-US" sz="2000" i="1" dirty="0">
-                              <a:latin typeface="Cambria Math" charset="0"/>
-                              <a:ea typeface="Cambria Math" charset="0"/>
-                              <a:cs typeface="Cambria Math" charset="0"/>
-                            </a:rPr>
-                            <m:t>𝑋</m:t>
-                          </m:r>
-                          <m:r>
-                            <a:rPr lang="en-US" sz="2000" i="1" dirty="0">
-                              <a:latin typeface="Cambria Math" charset="0"/>
-                              <a:ea typeface="Cambria Math" charset="0"/>
-                              <a:cs typeface="Cambria Math" charset="0"/>
-                            </a:rPr>
-                            <m:t>=</m:t>
-                          </m:r>
-                          <m:r>
-                            <a:rPr lang="en-US" sz="2000" i="1" dirty="0">
-                              <a:latin typeface="Cambria Math" charset="0"/>
-                              <a:ea typeface="Cambria Math" charset="0"/>
-                              <a:cs typeface="Cambria Math" charset="0"/>
-                            </a:rPr>
-                            <m:t>𝑗</m:t>
-                          </m:r>
-                        </m:e>
-                      </m:d>
-                      <m:r>
-                        <a:rPr lang="en-US" sz="2000" i="1" dirty="0">
-                          <a:latin typeface="Cambria Math" charset="0"/>
-                          <a:ea typeface="Cambria Math" charset="0"/>
-                          <a:cs typeface="Cambria Math" charset="0"/>
-                        </a:rPr>
-                        <m:t>=</m:t>
-                      </m:r>
-                      <m:sSub>
-                        <m:sSubPr>
-                          <m:ctrlPr>
-                            <a:rPr lang="en-US" sz="2000" i="1" dirty="0">
-                              <a:latin typeface="Cambria Math" charset="0"/>
-                              <a:ea typeface="Cambria Math" charset="0"/>
-                              <a:cs typeface="Cambria Math" charset="0"/>
-                            </a:rPr>
-                          </m:ctrlPr>
-                        </m:sSubPr>
-                        <m:e>
-                          <m:r>
-                            <a:rPr lang="en-US" sz="2000" i="1" dirty="0">
-                              <a:latin typeface="Cambria Math" charset="0"/>
-                              <a:ea typeface="Cambria Math" charset="0"/>
-                              <a:cs typeface="Cambria Math" charset="0"/>
-                            </a:rPr>
-                            <m:t>𝜇</m:t>
-                          </m:r>
-                        </m:e>
-                        <m:sub>
-                          <m:r>
-                            <a:rPr lang="en-US" sz="2000" i="1" dirty="0">
-                              <a:latin typeface="Cambria Math" charset="0"/>
-                              <a:ea typeface="Cambria Math" charset="0"/>
-                              <a:cs typeface="Cambria Math" charset="0"/>
-                            </a:rPr>
-                            <m:t>𝑗</m:t>
-                          </m:r>
-                        </m:sub>
-                      </m:sSub>
-                    </m:oMath>
-                  </m:oMathPara>
+                  <m:oMath xmlns:m="http://schemas.openxmlformats.org/officeDocument/2006/math">
+                    <m:r>
+                      <a:rPr lang="en-US" sz="2000" i="1" dirty="0">
+                        <a:latin typeface="Cambria Math" charset="0"/>
+                        <a:ea typeface="Cambria Math" charset="0"/>
+                        <a:cs typeface="Cambria Math" charset="0"/>
+                      </a:rPr>
+                      <m:t>𝜇</m:t>
+                    </m:r>
+                    <m:d>
+                      <m:dPr>
+                        <m:begChr m:val="{"/>
+                        <m:endChr m:val="}"/>
+                        <m:ctrlPr>
+                          <a:rPr lang="en-US" sz="2000" i="1" dirty="0">
+                            <a:latin typeface="Cambria Math" charset="0"/>
+                            <a:ea typeface="Cambria Math" charset="0"/>
+                            <a:cs typeface="Cambria Math" charset="0"/>
+                          </a:rPr>
+                        </m:ctrlPr>
+                      </m:dPr>
+                      <m:e>
+                        <m:r>
+                          <a:rPr lang="en-US" sz="2000" i="1" dirty="0">
+                            <a:latin typeface="Cambria Math" charset="0"/>
+                            <a:ea typeface="Cambria Math" charset="0"/>
+                            <a:cs typeface="Cambria Math" charset="0"/>
+                          </a:rPr>
+                          <m:t>𝑌</m:t>
+                        </m:r>
+                        <m:r>
+                          <a:rPr lang="en-US" sz="2000" i="1" dirty="0">
+                            <a:latin typeface="Cambria Math" charset="0"/>
+                            <a:ea typeface="Cambria Math" charset="0"/>
+                            <a:cs typeface="Cambria Math" charset="0"/>
+                          </a:rPr>
+                          <m:t>|</m:t>
+                        </m:r>
+                        <m:r>
+                          <a:rPr lang="en-US" sz="2000" i="1" dirty="0">
+                            <a:latin typeface="Cambria Math" charset="0"/>
+                            <a:ea typeface="Cambria Math" charset="0"/>
+                            <a:cs typeface="Cambria Math" charset="0"/>
+                          </a:rPr>
+                          <m:t>𝑋</m:t>
+                        </m:r>
+                        <m:r>
+                          <a:rPr lang="en-US" sz="2000" i="1" dirty="0">
+                            <a:latin typeface="Cambria Math" charset="0"/>
+                            <a:ea typeface="Cambria Math" charset="0"/>
+                            <a:cs typeface="Cambria Math" charset="0"/>
+                          </a:rPr>
+                          <m:t>=</m:t>
+                        </m:r>
+                        <m:r>
+                          <a:rPr lang="en-US" sz="2000" i="1" dirty="0">
+                            <a:latin typeface="Cambria Math" charset="0"/>
+                            <a:ea typeface="Cambria Math" charset="0"/>
+                            <a:cs typeface="Cambria Math" charset="0"/>
+                          </a:rPr>
+                          <m:t>𝑗</m:t>
+                        </m:r>
+                      </m:e>
+                    </m:d>
+                    <m:r>
+                      <a:rPr lang="en-US" sz="2000" i="1" dirty="0">
+                        <a:latin typeface="Cambria Math" charset="0"/>
+                        <a:ea typeface="Cambria Math" charset="0"/>
+                        <a:cs typeface="Cambria Math" charset="0"/>
+                      </a:rPr>
+                      <m:t>=</m:t>
+                    </m:r>
+                    <m:sSub>
+                      <m:sSubPr>
+                        <m:ctrlPr>
+                          <a:rPr lang="en-US" sz="2000" i="1" dirty="0">
+                            <a:latin typeface="Cambria Math" charset="0"/>
+                            <a:ea typeface="Cambria Math" charset="0"/>
+                            <a:cs typeface="Cambria Math" charset="0"/>
+                          </a:rPr>
+                        </m:ctrlPr>
+                      </m:sSubPr>
+                      <m:e>
+                        <m:r>
+                          <a:rPr lang="en-US" sz="2000" i="1" dirty="0">
+                            <a:latin typeface="Cambria Math" charset="0"/>
+                            <a:ea typeface="Cambria Math" charset="0"/>
+                            <a:cs typeface="Cambria Math" charset="0"/>
+                          </a:rPr>
+                          <m:t>𝜇</m:t>
+                        </m:r>
+                      </m:e>
+                      <m:sub>
+                        <m:r>
+                          <a:rPr lang="en-US" sz="2000" i="1" dirty="0">
+                            <a:latin typeface="Cambria Math" charset="0"/>
+                            <a:ea typeface="Cambria Math" charset="0"/>
+                            <a:cs typeface="Cambria Math" charset="0"/>
+                          </a:rPr>
+                          <m:t>𝑗</m:t>
+                        </m:r>
+                      </m:sub>
+                    </m:sSub>
+                  </m:oMath>
                 </a14:m>
                 <a:endParaRPr lang="en-US" sz="2000" dirty="0" smtClean="0">
                   <a:ea typeface="Cambria Math" charset="0"/>
@@ -6683,7 +6729,6 @@
                 </a:endParaRPr>
               </a:p>
               <a:p>
-                <a:pPr/>
                 <a:r>
                   <a:rPr lang="en-US" sz="2000" dirty="0" smtClean="0"/>
                   <a:t>Or even</a:t>
@@ -6766,7 +6811,6 @@
                 <a:endParaRPr lang="en-US" sz="2000" dirty="0" smtClean="0"/>
               </a:p>
               <a:p>
-                <a:pPr/>
                 <a:endParaRPr lang="en-US" sz="2000" dirty="0" smtClean="0"/>
               </a:p>
               <a:p>
@@ -7019,7 +7063,7 @@
             </p:txBody>
           </p:sp>
         </mc:Choice>
-        <mc:Fallback>
+        <mc:Fallback xmlns="">
           <p:sp>
             <p:nvSpPr>
               <p:cNvPr id="16" name="TextBox 15"/>
@@ -7031,7 +7075,7 @@
             <p:spPr>
               <a:xfrm>
                 <a:off x="822960" y="1676400"/>
-                <a:ext cx="4287584" cy="4008470"/>
+                <a:ext cx="8438207" cy="4274503"/>
               </a:xfrm>
               <a:prstGeom prst="rect">
                 <a:avLst/>
@@ -7039,7 +7083,7 @@
               <a:blipFill rotWithShape="0">
                 <a:blip r:embed="rId2"/>
                 <a:stretch>
-                  <a:fillRect l="-1422" t="-9726" b="-7751"/>
+                  <a:fillRect l="-723" t="-428" b="-7418"/>
                 </a:stretch>
               </a:blipFill>
             </p:spPr>
@@ -7144,7 +7188,7 @@
               <a:p>
                 <a:r>
                   <a:rPr lang="en-US" dirty="0" smtClean="0"/>
-                  <a:t>No matter the number of categories (</a:t>
+                  <a:t>No matter the number of levels (</a:t>
                 </a:r>
                 <a14:m>
                   <m:oMath xmlns:m="http://schemas.openxmlformats.org/officeDocument/2006/math">
@@ -7164,15 +7208,7 @@
                 </a14:m>
                 <a:r>
                   <a:rPr lang="en-US" dirty="0" smtClean="0"/>
-                  <a:t>, </a:t>
-                </a:r>
-                <a:r>
-                  <a:rPr lang="en-US" dirty="0" smtClean="0"/>
-                  <a:t>in one-way ANOVA there </a:t>
-                </a:r>
-                <a:r>
-                  <a:rPr lang="en-US" dirty="0" smtClean="0"/>
-                  <a:t>was only one categorical explanatory variable (</a:t>
+                  <a:t>, in one-way ANOVA there was only one categorical explanatory variable (</a:t>
                 </a:r>
                 <a14:m>
                   <m:oMath xmlns:m="http://schemas.openxmlformats.org/officeDocument/2006/math">
@@ -7194,26 +7230,14 @@
               <a:p>
                 <a:r>
                   <a:rPr lang="en-US" dirty="0" smtClean="0"/>
-                  <a:t>Let’s </a:t>
-                </a:r>
-                <a:r>
-                  <a:rPr lang="en-US" dirty="0" smtClean="0"/>
-                  <a:t>generalize this to having two explanatory </a:t>
-                </a:r>
-                <a:r>
-                  <a:rPr lang="en-US" dirty="0" smtClean="0"/>
-                  <a:t>variables: A and B</a:t>
+                  <a:t>Let’s generalize this to having two explanatory variables: A and B</a:t>
                 </a:r>
                 <a:endParaRPr lang="en-US" dirty="0"/>
               </a:p>
               <a:p>
                 <a:r>
                   <a:rPr lang="en-US" dirty="0" smtClean="0"/>
-                  <a:t>The notation is a bit more </a:t>
-                </a:r>
-                <a:r>
-                  <a:rPr lang="en-US" dirty="0" smtClean="0"/>
-                  <a:t>cumbersome: </a:t>
+                  <a:t>The notation is a bit more cumbersome: </a:t>
                 </a:r>
                 <a:r>
                   <a:rPr lang="en-US" dirty="0"/>
@@ -7331,6 +7355,22 @@
                         <a:latin typeface="Cambria Math" charset="0"/>
                       </a:rPr>
                       <m:t>=</m:t>
+                    </m:r>
+                    <m:r>
+                      <a:rPr lang="en-US" i="1" dirty="0">
+                        <a:latin typeface="Cambria Math" charset="0"/>
+                        <a:ea typeface="Cambria Math" charset="0"/>
+                        <a:cs typeface="Cambria Math" charset="0"/>
+                      </a:rPr>
+                      <m:t>𝜇</m:t>
+                    </m:r>
+                    <m:r>
+                      <a:rPr lang="en-US" b="0" i="1" dirty="0" smtClean="0">
+                        <a:latin typeface="Cambria Math" charset="0"/>
+                        <a:ea typeface="Cambria Math" charset="0"/>
+                        <a:cs typeface="Cambria Math" charset="0"/>
+                      </a:rPr>
+                      <m:t>+</m:t>
                     </m:r>
                     <m:sSub>
                       <m:sSubPr>
@@ -7528,7 +7568,6 @@
                   <a:rPr lang="en-US" dirty="0" smtClean="0"/>
                   <a:t>A + B + A*B</a:t>
                 </a:r>
-                <a:endParaRPr lang="en-US" dirty="0" smtClean="0"/>
               </a:p>
               <a:p>
                 <a:pPr>
@@ -7539,7 +7578,6 @@
                   <a:rPr lang="en-US" dirty="0" smtClean="0"/>
                   <a:t> The additive (non interaction) model is written as</a:t>
                 </a:r>
-                <a:endParaRPr lang="en-US" dirty="0" smtClean="0"/>
               </a:p>
               <a:p>
                 <a14:m>
@@ -7565,13 +7603,7 @@
                           <a:rPr lang="en-US" i="1" dirty="0">
                             <a:latin typeface="Cambria Math" charset="0"/>
                           </a:rPr>
-                          <m:t>𝑖𝑗</m:t>
-                        </m:r>
-                        <m:r>
-                          <a:rPr lang="en-US" i="1" dirty="0">
-                            <a:latin typeface="Cambria Math" charset="0"/>
-                          </a:rPr>
-                          <m:t>𝑘</m:t>
+                          <m:t>𝑖𝑗𝑘</m:t>
                         </m:r>
                       </m:sub>
                     </m:sSub>
@@ -7580,6 +7612,22 @@
                         <a:latin typeface="Cambria Math" charset="0"/>
                       </a:rPr>
                       <m:t>=</m:t>
+                    </m:r>
+                    <m:r>
+                      <a:rPr lang="en-US" i="1" dirty="0">
+                        <a:latin typeface="Cambria Math" charset="0"/>
+                        <a:ea typeface="Cambria Math" charset="0"/>
+                        <a:cs typeface="Cambria Math" charset="0"/>
+                      </a:rPr>
+                      <m:t>𝜇</m:t>
+                    </m:r>
+                    <m:r>
+                      <a:rPr lang="en-US" b="0" i="1" dirty="0" smtClean="0">
+                        <a:latin typeface="Cambria Math" charset="0"/>
+                        <a:ea typeface="Cambria Math" charset="0"/>
+                        <a:cs typeface="Cambria Math" charset="0"/>
+                      </a:rPr>
+                      <m:t>+</m:t>
                     </m:r>
                     <m:sSub>
                       <m:sSubPr>
@@ -7672,13 +7720,7 @@
                           <a:rPr lang="en-US" i="1" dirty="0">
                             <a:latin typeface="Cambria Math" charset="0"/>
                           </a:rPr>
-                          <m:t>𝑖𝑗</m:t>
-                        </m:r>
-                        <m:r>
-                          <a:rPr lang="en-US" i="1" dirty="0">
-                            <a:latin typeface="Cambria Math" charset="0"/>
-                          </a:rPr>
-                          <m:t>𝑘</m:t>
+                          <m:t>𝑖𝑗𝑘</m:t>
                         </m:r>
                       </m:sub>
                     </m:sSub>
@@ -7734,11 +7776,7 @@
                 </a:r>
                 <a:r>
                   <a:rPr lang="en-US" dirty="0"/>
-                  <a:t>= </a:t>
-                </a:r>
-                <a:r>
-                  <a:rPr lang="en-US" dirty="0"/>
-                  <a:t> </a:t>
+                  <a:t>=  </a:t>
                 </a:r>
                 <a:r>
                   <a:rPr lang="en-US" dirty="0" smtClean="0"/>
@@ -7830,13 +7868,8 @@
                 </a14:m>
                 <a:r>
                   <a:rPr lang="en-US" sz="1700" dirty="0" smtClean="0"/>
-                  <a:t> values, respectively</a:t>
+                  <a:t> values, respectively)</a:t>
                 </a:r>
-                <a:r>
-                  <a:rPr lang="en-US" sz="1700" dirty="0" smtClean="0"/>
-                  <a:t>)</a:t>
-                </a:r>
-                <a:endParaRPr lang="en-US" sz="1700" dirty="0" smtClean="0"/>
               </a:p>
             </p:txBody>
           </p:sp>
@@ -8064,8 +8097,8 @@
           </a:p>
         </p:txBody>
       </p:sp>
-      <mc:AlternateContent xmlns:mc="http://schemas.openxmlformats.org/markup-compatibility/2006">
-        <mc:Choice xmlns:a14="http://schemas.microsoft.com/office/drawing/2010/main" Requires="a14">
+      <mc:AlternateContent xmlns:mc="http://schemas.openxmlformats.org/markup-compatibility/2006" xmlns:a14="http://schemas.microsoft.com/office/drawing/2010/main">
+        <mc:Choice Requires="a14">
           <p:graphicFrame>
             <p:nvGraphicFramePr>
               <p:cNvPr id="5" name="Table 4"/>
@@ -8403,7 +8436,6 @@
                             <a:rPr lang="en-US" sz="1600" dirty="0" smtClean="0"/>
                             <a:t>SS(error)</a:t>
                           </a:r>
-                          <a:endParaRPr lang="en-US" sz="1600" dirty="0" smtClean="0"/>
                         </a:p>
                       </a:txBody>
                       <a:tcPr/>
@@ -8551,7 +8583,7 @@
             </a:graphic>
           </p:graphicFrame>
         </mc:Choice>
-        <mc:Fallback>
+        <mc:Fallback xmlns="">
           <p:graphicFrame>
             <p:nvGraphicFramePr>
               <p:cNvPr id="5" name="Table 4"/>
@@ -9085,15 +9117,7 @@
           <a:p>
             <a:r>
               <a:rPr lang="en-US" dirty="0" smtClean="0"/>
-              <a:t>Multi-way </a:t>
-            </a:r>
-            <a:r>
-              <a:rPr lang="en-US" dirty="0" smtClean="0"/>
-              <a:t>ANOVA is a prime example, where it can be phrased as a multiple regression with categorical explanatory </a:t>
-            </a:r>
-            <a:r>
-              <a:rPr lang="en-US" dirty="0" smtClean="0"/>
-              <a:t>variables </a:t>
+              <a:t>Multi-way ANOVA is a prime example, where it can be phrased as a multiple regression with categorical explanatory variables </a:t>
             </a:r>
           </a:p>
           <a:p>
@@ -9117,7 +9141,6 @@
               <a:rPr lang="en-US" dirty="0" smtClean="0"/>
               <a:t>)</a:t>
             </a:r>
-            <a:endParaRPr lang="en-US" dirty="0" smtClean="0"/>
           </a:p>
           <a:p>
             <a:pPr marL="91440" lvl="1" indent="-91440">
@@ -9141,11 +9164,7 @@
             </a:r>
             <a:r>
               <a:rPr lang="en-US" sz="2000" dirty="0" smtClean="0"/>
-              <a:t>other </a:t>
-            </a:r>
-            <a:r>
-              <a:rPr lang="en-US" sz="2000" dirty="0" smtClean="0"/>
-              <a:t>examples of special cases of more general methods?)</a:t>
+              <a:t>other examples of special cases of more general methods?)</a:t>
             </a:r>
             <a:endParaRPr lang="en-US" sz="2000" dirty="0"/>
           </a:p>
@@ -9383,8 +9402,8 @@
           </a:p>
         </p:txBody>
       </p:sp>
-      <mc:AlternateContent xmlns:mc="http://schemas.openxmlformats.org/markup-compatibility/2006">
-        <mc:Choice xmlns:a14="http://schemas.microsoft.com/office/drawing/2010/main" Requires="a14">
+      <mc:AlternateContent xmlns:mc="http://schemas.openxmlformats.org/markup-compatibility/2006" xmlns:a14="http://schemas.microsoft.com/office/drawing/2010/main">
+        <mc:Choice Requires="a14">
           <p:sp>
             <p:nvSpPr>
               <p:cNvPr id="3" name="Content Placeholder 2"/>
@@ -9474,11 +9493,7 @@
                 </a14:m>
                 <a:r>
                   <a:rPr lang="en-US" dirty="0"/>
-                  <a:t> </a:t>
-                </a:r>
-                <a:r>
-                  <a:rPr lang="en-US" dirty="0"/>
-                  <a:t>= 2</a:t>
+                  <a:t> = 2</a:t>
                 </a:r>
                 <a:r>
                   <a:rPr lang="en-US" dirty="0" smtClean="0"/>
@@ -9583,7 +9598,7 @@
             </p:txBody>
           </p:sp>
         </mc:Choice>
-        <mc:Fallback>
+        <mc:Fallback xmlns="">
           <p:sp>
             <p:nvSpPr>
               <p:cNvPr id="3" name="Content Placeholder 2"/>
@@ -9711,8 +9726,8 @@
           </a:p>
         </p:txBody>
       </p:sp>
-      <mc:AlternateContent xmlns:mc="http://schemas.openxmlformats.org/markup-compatibility/2006">
-        <mc:Choice xmlns:a14="http://schemas.microsoft.com/office/drawing/2010/main" Requires="a14">
+      <mc:AlternateContent xmlns:mc="http://schemas.openxmlformats.org/markup-compatibility/2006" xmlns:a14="http://schemas.microsoft.com/office/drawing/2010/main">
+        <mc:Choice Requires="a14">
           <p:sp>
             <p:nvSpPr>
               <p:cNvPr id="3" name="Content Placeholder 2"/>
@@ -9882,13 +9897,7 @@
                           <a:rPr lang="en-US" i="1" dirty="0">
                             <a:latin typeface="Cambria Math" charset="0"/>
                           </a:rPr>
-                          <m:t>𝑖𝑗</m:t>
-                        </m:r>
-                        <m:r>
-                          <a:rPr lang="en-US" i="1" dirty="0">
-                            <a:latin typeface="Cambria Math" charset="0"/>
-                          </a:rPr>
-                          <m:t>𝑘</m:t>
+                          <m:t>𝑖𝑗𝑘</m:t>
                         </m:r>
                       </m:sub>
                     </m:sSub>
@@ -10026,13 +10035,7 @@
                           <a:rPr lang="en-US" i="1" dirty="0">
                             <a:latin typeface="Cambria Math" charset="0"/>
                           </a:rPr>
-                          <m:t>𝑖𝑗</m:t>
-                        </m:r>
-                        <m:r>
-                          <a:rPr lang="en-US" i="1" dirty="0">
-                            <a:latin typeface="Cambria Math" charset="0"/>
-                          </a:rPr>
-                          <m:t>𝑘</m:t>
+                          <m:t>𝑖𝑗𝑘</m:t>
                         </m:r>
                       </m:sub>
                     </m:sSub>
@@ -10080,19 +10083,7 @@
                 </a14:m>
                 <a:r>
                   <a:rPr lang="en-US" dirty="0"/>
-                  <a:t> </a:t>
-                </a:r>
-                <a:r>
-                  <a:rPr lang="en-US" dirty="0"/>
-                  <a:t>A, B} = </a:t>
-                </a:r>
-                <a:r>
-                  <a:rPr lang="en-US" dirty="0"/>
-                  <a:t> </a:t>
-                </a:r>
-                <a:r>
-                  <a:rPr lang="en-US" dirty="0"/>
-                  <a:t>A + B + A*B</a:t>
+                  <a:t> A, B} =  A + B + A*B</a:t>
                 </a:r>
               </a:p>
               <a:p>
@@ -10151,7 +10142,7 @@
             </p:txBody>
           </p:sp>
         </mc:Choice>
-        <mc:Fallback>
+        <mc:Fallback xmlns="">
           <p:sp>
             <p:nvSpPr>
               <p:cNvPr id="3" name="Content Placeholder 2"/>
@@ -10212,8 +10203,8 @@
           </a:p>
         </p:txBody>
       </p:sp>
-      <mc:AlternateContent xmlns:mc="http://schemas.openxmlformats.org/markup-compatibility/2006">
-        <mc:Choice xmlns:a14="http://schemas.microsoft.com/office/drawing/2010/main" Requires="a14">
+      <mc:AlternateContent xmlns:mc="http://schemas.openxmlformats.org/markup-compatibility/2006" xmlns:a14="http://schemas.microsoft.com/office/drawing/2010/main">
+        <mc:Choice Requires="a14">
           <p:graphicFrame>
             <p:nvGraphicFramePr>
               <p:cNvPr id="5" name="Table 4"/>
@@ -10489,7 +10480,6 @@
                         <a:bodyPr/>
                         <a:lstStyle/>
                         <a:p>
-                          <a:pPr/>
                           <a14:m>
                             <m:oMath xmlns:m="http://schemas.openxmlformats.org/officeDocument/2006/math">
                               <m:r>
@@ -10606,7 +10596,6 @@
                         <a:bodyPr/>
                         <a:lstStyle/>
                         <a:p>
-                          <a:pPr/>
                           <a:r>
                             <a:rPr lang="en-US" sz="1600" i="1" dirty="0" smtClean="0"/>
                             <a:t>(</a:t>
@@ -10625,11 +10614,7 @@
                           </a14:m>
                           <a:r>
                             <a:rPr lang="en-US" sz="1600" i="1" dirty="0" smtClean="0"/>
-                            <a:t>-</a:t>
-                          </a:r>
-                          <a:r>
-                            <a:rPr lang="en-US" sz="1600" i="1" dirty="0" smtClean="0"/>
-                            <a:t>1)*(</a:t>
+                            <a:t>-1)*(</a:t>
                           </a:r>
                           <a14:m>
                             <m:oMath xmlns:m="http://schemas.openxmlformats.org/officeDocument/2006/math">
@@ -10711,7 +10696,6 @@
                         <a:bodyPr/>
                         <a:lstStyle/>
                         <a:p>
-                          <a:pPr/>
                           <a:r>
                             <a:rPr lang="en-US" sz="1600" i="1" dirty="0" smtClean="0"/>
                             <a:t>n</a:t>
@@ -10816,7 +10800,6 @@
                         <a:bodyPr/>
                         <a:lstStyle/>
                         <a:p>
-                          <a:pPr/>
                           <a14:m>
                             <m:oMath xmlns:m="http://schemas.openxmlformats.org/officeDocument/2006/math">
                               <m:r>
@@ -10882,7 +10865,7 @@
             </a:graphic>
           </p:graphicFrame>
         </mc:Choice>
-        <mc:Fallback>
+        <mc:Fallback xmlns="">
           <p:graphicFrame>
             <p:nvGraphicFramePr>
               <p:cNvPr id="5" name="Table 4"/>
@@ -11504,8 +11487,8 @@
           </a:p>
         </p:txBody>
       </p:sp>
-      <mc:AlternateContent xmlns:mc="http://schemas.openxmlformats.org/markup-compatibility/2006">
-        <mc:Choice xmlns:a14="http://schemas.microsoft.com/office/drawing/2010/main" Requires="a14">
+      <mc:AlternateContent xmlns:mc="http://schemas.openxmlformats.org/markup-compatibility/2006" xmlns:a14="http://schemas.microsoft.com/office/drawing/2010/main">
+        <mc:Choice Requires="a14">
           <p:sp>
             <p:nvSpPr>
               <p:cNvPr id="3" name="Content Placeholder 2"/>
@@ -11595,15 +11578,7 @@
                 </a14:m>
                 <a:r>
                   <a:rPr lang="en-US" dirty="0"/>
-                  <a:t> </a:t>
-                </a:r>
-                <a:r>
-                  <a:rPr lang="en-US" dirty="0"/>
-                  <a:t>= 2)</a:t>
-                </a:r>
-                <a:r>
-                  <a:rPr lang="en-US" dirty="0"/>
-                  <a:t>)</a:t>
+                  <a:t> = 2))</a:t>
                 </a:r>
               </a:p>
               <a:p>
@@ -11838,7 +11813,7 @@
             </p:txBody>
           </p:sp>
         </mc:Choice>
-        <mc:Fallback>
+        <mc:Fallback xmlns="">
           <p:sp>
             <p:nvSpPr>
               <p:cNvPr id="3" name="Content Placeholder 2"/>
@@ -11910,7 +11885,7 @@
               <p:nvPr>
                 <p:extLst>
                   <p:ext uri="{D42A27DB-BD31-4B8C-83A1-F6EECF244321}">
-                    <p14:modId xmlns:p14="http://schemas.microsoft.com/office/powerpoint/2010/main" val="1734529979"/>
+                    <p14:modId xmlns:p14="http://schemas.microsoft.com/office/powerpoint/2010/main" val="1901156373"/>
                   </p:ext>
                 </p:extLst>
               </p:nvPr>
@@ -11927,9 +11902,9 @@
                   </a:tblPr>
                   <a:tblGrid>
                     <a:gridCol w="1310640"/>
-                    <a:gridCol w="2286000"/>
-                    <a:gridCol w="1066800"/>
-                    <a:gridCol w="1155065"/>
+                    <a:gridCol w="2819400"/>
+                    <a:gridCol w="914400"/>
+                    <a:gridCol w="774065"/>
                     <a:gridCol w="2449943"/>
                     <a:gridCol w="799352"/>
                   </a:tblGrid>
@@ -12176,7 +12151,6 @@
                         <a:bodyPr/>
                         <a:lstStyle/>
                         <a:p>
-                          <a:pPr/>
                           <a14:m>
                             <m:oMath xmlns:m="http://schemas.openxmlformats.org/officeDocument/2006/math">
                               <m:r>
@@ -12293,7 +12267,6 @@
                         <a:bodyPr/>
                         <a:lstStyle/>
                         <a:p>
-                          <a:pPr/>
                           <a:r>
                             <a:rPr lang="en-US" sz="1600" i="1" dirty="0" smtClean="0"/>
                             <a:t>n</a:t>
@@ -12330,13 +12303,13 @@
                                 <a:rPr lang="en-US" sz="1600" b="0" i="1" dirty="0" smtClean="0">
                                   <a:latin typeface="Cambria Math" charset="0"/>
                                 </a:rPr>
-                                <m:t>−1</m:t>
+                                <m:t>−1)−1</m:t>
                               </m:r>
                             </m:oMath>
                           </a14:m>
                           <a:r>
                             <a:rPr lang="en-US" sz="1600" i="1" dirty="0" smtClean="0"/>
-                            <a:t>) = 18</a:t>
+                            <a:t> = 17</a:t>
                           </a:r>
                           <a:endParaRPr lang="en-US" sz="1600" i="1" dirty="0"/>
                         </a:p>
@@ -12404,7 +12377,6 @@
                         <a:bodyPr/>
                         <a:lstStyle/>
                         <a:p>
-                          <a:pPr/>
                           <a14:m>
                             <m:oMath xmlns:m="http://schemas.openxmlformats.org/officeDocument/2006/math">
                               <m:r>
@@ -12480,7 +12452,7 @@
               <p:nvPr>
                 <p:extLst>
                   <p:ext uri="{D42A27DB-BD31-4B8C-83A1-F6EECF244321}">
-                    <p14:modId xmlns:p14="http://schemas.microsoft.com/office/powerpoint/2010/main" val="1734529979"/>
+                    <p14:modId xmlns:p14="http://schemas.microsoft.com/office/powerpoint/2010/main" val="1901156373"/>
                   </p:ext>
                 </p:extLst>
               </p:nvPr>
@@ -12497,9 +12469,9 @@
                   </a:tblPr>
                   <a:tblGrid>
                     <a:gridCol w="1310640"/>
-                    <a:gridCol w="2286000"/>
-                    <a:gridCol w="1066800"/>
-                    <a:gridCol w="1155065"/>
+                    <a:gridCol w="2819400"/>
+                    <a:gridCol w="914400"/>
+                    <a:gridCol w="774065"/>
                     <a:gridCol w="2449943"/>
                     <a:gridCol w="799352"/>
                   </a:tblGrid>
@@ -12620,7 +12592,7 @@
                         <a:blipFill rotWithShape="0">
                           <a:blip r:embed="rId3"/>
                           <a:stretch>
-                            <a:fillRect l="-57867" t="-103636" r="-240533" b="-352727"/>
+                            <a:fillRect l="-46868" t="-103636" r="-175810" b="-352727"/>
                           </a:stretch>
                         </a:blipFill>
                       </a:tcPr>
@@ -12727,7 +12699,7 @@
                         <a:blipFill rotWithShape="0">
                           <a:blip r:embed="rId3"/>
                           <a:stretch>
-                            <a:fillRect l="-57867" t="-203636" r="-240533" b="-252727"/>
+                            <a:fillRect l="-46868" t="-203636" r="-175810" b="-252727"/>
                           </a:stretch>
                         </a:blipFill>
                       </a:tcPr>
@@ -12834,7 +12806,7 @@
                         <a:blipFill rotWithShape="0">
                           <a:blip r:embed="rId3"/>
                           <a:stretch>
-                            <a:fillRect l="-57867" t="-242029" r="-240533" b="-101449"/>
+                            <a:fillRect l="-46868" t="-242029" r="-175810" b="-101449"/>
                           </a:stretch>
                         </a:blipFill>
                       </a:tcPr>
@@ -12907,7 +12879,7 @@
                         <a:blipFill rotWithShape="0">
                           <a:blip r:embed="rId3"/>
                           <a:stretch>
-                            <a:fillRect l="-57867" t="-347059" r="-240533" b="-2941"/>
+                            <a:fillRect l="-46868" t="-347059" r="-175810" b="-2941"/>
                           </a:stretch>
                         </a:blipFill>
                       </a:tcPr>
@@ -13401,7 +13373,6 @@
               <a:rPr lang="en-US" dirty="0"/>
               <a:t>interaction between Factor A and Factor B.</a:t>
             </a:r>
-            <a:endParaRPr lang="en-US" dirty="0"/>
           </a:p>
         </p:txBody>
       </p:sp>
@@ -13673,7 +13644,6 @@
               <a:rPr lang="en-US" dirty="0"/>
               <a:t>interaction between Factor A and Factor B.</a:t>
             </a:r>
-            <a:endParaRPr lang="en-US" dirty="0"/>
           </a:p>
         </p:txBody>
       </p:sp>
@@ -13876,7 +13846,6 @@
               <a:rPr lang="en-US" dirty="0"/>
               <a:t>interaction between Factor A and Factor B.</a:t>
             </a:r>
-            <a:endParaRPr lang="en-US" dirty="0"/>
           </a:p>
         </p:txBody>
       </p:sp>
@@ -14079,7 +14048,6 @@
               <a:rPr lang="en-US" dirty="0"/>
               <a:t>interaction between Factor A and Factor B.</a:t>
             </a:r>
-            <a:endParaRPr lang="en-US" dirty="0"/>
           </a:p>
         </p:txBody>
       </p:sp>
@@ -14458,7 +14426,6 @@
               <a:rPr lang="en-US" dirty="0"/>
               <a:t>interaction between Factor A and Factor B.</a:t>
             </a:r>
-            <a:endParaRPr lang="en-US" dirty="0"/>
           </a:p>
         </p:txBody>
       </p:sp>
@@ -14661,7 +14628,6 @@
               <a:rPr lang="en-US" dirty="0"/>
               <a:t>interaction between Factor A and Factor B.</a:t>
             </a:r>
-            <a:endParaRPr lang="en-US" dirty="0"/>
           </a:p>
         </p:txBody>
       </p:sp>
@@ -15160,29 +15126,13 @@
           <a:p>
             <a:r>
               <a:rPr lang="en-US" dirty="0" smtClean="0"/>
-              <a:t>Some experimental design concepts are crucial for understanding </a:t>
-            </a:r>
-            <a:r>
-              <a:rPr lang="en-US" dirty="0" smtClean="0"/>
-              <a:t>multi-way </a:t>
-            </a:r>
-            <a:r>
-              <a:rPr lang="en-US" dirty="0" smtClean="0"/>
-              <a:t>ANOVA</a:t>
-            </a:r>
-          </a:p>
-          <a:p>
-            <a:r>
-              <a:rPr lang="en-US" dirty="0" smtClean="0"/>
-              <a:t>Some </a:t>
-            </a:r>
-            <a:r>
-              <a:rPr lang="en-US" dirty="0" smtClean="0"/>
-              <a:t>important </a:t>
-            </a:r>
-            <a:r>
-              <a:rPr lang="en-US" dirty="0" smtClean="0"/>
-              <a:t>concepts</a:t>
+              <a:t>Some experimental design concepts are crucial for understanding multi-way ANOVA</a:t>
+            </a:r>
+          </a:p>
+          <a:p>
+            <a:r>
+              <a:rPr lang="en-US" dirty="0" smtClean="0"/>
+              <a:t>Some important concepts</a:t>
             </a:r>
             <a:r>
               <a:rPr lang="en-US" dirty="0"/>
@@ -15214,11 +15164,7 @@
           <a:p>
             <a:r>
               <a:rPr lang="en-US" dirty="0" smtClean="0"/>
-              <a:t>Let’s </a:t>
-            </a:r>
-            <a:r>
-              <a:rPr lang="en-US" dirty="0" smtClean="0"/>
-              <a:t>define and discuss these..</a:t>
+              <a:t>Let’s define and discuss these..</a:t>
             </a:r>
           </a:p>
           <a:p>
@@ -15227,15 +15173,7 @@
             </a:pPr>
             <a:r>
               <a:rPr lang="en-US" dirty="0" smtClean="0"/>
-              <a:t>(</a:t>
-            </a:r>
-            <a:r>
-              <a:rPr lang="en-US" dirty="0" smtClean="0"/>
-              <a:t>The </a:t>
-            </a:r>
-            <a:r>
-              <a:rPr lang="en-US" dirty="0" smtClean="0"/>
-              <a:t>agricultural/experiment </a:t>
+              <a:t>(The agricultural/experiment </a:t>
             </a:r>
             <a:r>
               <a:rPr lang="en-US" dirty="0"/>
@@ -15592,8 +15530,8 @@
           </a:p>
         </p:txBody>
       </p:sp>
-      <mc:AlternateContent xmlns:mc="http://schemas.openxmlformats.org/markup-compatibility/2006">
-        <mc:Choice xmlns:a14="http://schemas.microsoft.com/office/drawing/2010/main" Requires="a14">
+      <mc:AlternateContent xmlns:mc="http://schemas.openxmlformats.org/markup-compatibility/2006" xmlns:a14="http://schemas.microsoft.com/office/drawing/2010/main">
+        <mc:Choice Requires="a14">
           <p:sp>
             <p:nvSpPr>
               <p:cNvPr id="3" name="Content Placeholder 2"/>
@@ -15640,7 +15578,6 @@
                   <a:rPr lang="en-US" dirty="0" smtClean="0"/>
                   <a:t>”</a:t>
                 </a:r>
-                <a:endParaRPr lang="en-US" dirty="0" smtClean="0"/>
               </a:p>
               <a:p>
                 <a:r>
@@ -15653,15 +15590,7 @@
                 </a:r>
                 <a:r>
                   <a:rPr lang="en-US" dirty="0" smtClean="0"/>
-                  <a:t>For </a:t>
-                </a:r>
-                <a:r>
-                  <a:rPr lang="en-US" dirty="0" smtClean="0"/>
-                  <a:t>a </a:t>
-                </a:r>
-                <a:r>
-                  <a:rPr lang="en-US" dirty="0" smtClean="0"/>
-                  <a:t>factor </a:t>
+                  <a:t>For a factor </a:t>
                 </a:r>
                 <a14:m>
                   <m:oMath xmlns:m="http://schemas.openxmlformats.org/officeDocument/2006/math">
@@ -15736,11 +15665,7 @@
               <a:p>
                 <a:r>
                   <a:rPr lang="en-US" dirty="0" smtClean="0"/>
-                  <a:t>The </a:t>
-                </a:r>
-                <a:r>
-                  <a:rPr lang="en-US" dirty="0" smtClean="0"/>
-                  <a:t>most common scenario in practice is when </a:t>
+                  <a:t>The most common scenario in practice is when </a:t>
                 </a:r>
                 <a14:m>
                   <m:oMath xmlns:m="http://schemas.openxmlformats.org/officeDocument/2006/math">
@@ -15754,29 +15679,17 @@
                 </a14:m>
                 <a:r>
                   <a:rPr lang="en-US" dirty="0" smtClean="0"/>
-                  <a:t> is a </a:t>
-                </a:r>
-                <a:r>
-                  <a:rPr lang="en-US" dirty="0" smtClean="0"/>
-                  <a:t>treatment</a:t>
+                  <a:t> is a treatment</a:t>
                 </a:r>
               </a:p>
               <a:p>
                 <a:r>
                   <a:rPr lang="en-US" b="1" dirty="0" smtClean="0"/>
-                  <a:t>Example</a:t>
-                </a:r>
-                <a:r>
-                  <a:rPr lang="en-US" b="1" dirty="0" smtClean="0"/>
-                  <a:t>:</a:t>
+                  <a:t>Example:</a:t>
                 </a:r>
                 <a:r>
                   <a:rPr lang="en-US" dirty="0" smtClean="0"/>
-                  <a:t> </a:t>
-                </a:r>
-                <a:r>
-                  <a:rPr lang="en-US" dirty="0" smtClean="0"/>
-                  <a:t>Define </a:t>
+                  <a:t> Define </a:t>
                 </a:r>
                 <a14:m>
                   <m:oMath xmlns:m="http://schemas.openxmlformats.org/officeDocument/2006/math">
@@ -15790,19 +15703,7 @@
                 </a14:m>
                 <a:r>
                   <a:rPr lang="en-US" dirty="0" smtClean="0"/>
-                  <a:t> </a:t>
-                </a:r>
-                <a:r>
-                  <a:rPr lang="en-US" dirty="0" smtClean="0"/>
-                  <a:t>be the treatment: drug or placebo, which gets assigned to subjects randomly</a:t>
-                </a:r>
-                <a:r>
-                  <a:rPr lang="en-US" dirty="0" smtClean="0"/>
-                  <a:t>. </a:t>
-                </a:r>
-                <a:r>
-                  <a:rPr lang="en-US" dirty="0" smtClean="0"/>
-                  <a:t>Then the  </a:t>
+                  <a:t> be the treatment: drug or placebo, which gets assigned to subjects randomly. Then the  </a:t>
                 </a:r>
                 <a:r>
                   <a:rPr lang="en-US" b="1" u="sng" cap="small" dirty="0" smtClean="0">
@@ -15810,15 +15711,7 @@
                       <a:srgbClr val="FF0000"/>
                     </a:solidFill>
                   </a:rPr>
-                  <a:t>experimental </a:t>
-                </a:r>
-                <a:r>
-                  <a:rPr lang="en-US" b="1" u="sng" cap="small" dirty="0" smtClean="0">
-                    <a:solidFill>
-                      <a:srgbClr val="FF0000"/>
-                    </a:solidFill>
-                  </a:rPr>
-                  <a:t>unit</a:t>
+                  <a:t>experimental unit</a:t>
                 </a:r>
                 <a:r>
                   <a:rPr lang="en-US" dirty="0"/>
@@ -15826,11 +15719,7 @@
                 </a:r>
                 <a:r>
                   <a:rPr lang="en-US" dirty="0" smtClean="0"/>
-                  <a:t>is the </a:t>
-                </a:r>
-                <a:r>
-                  <a:rPr lang="en-US" dirty="0" smtClean="0"/>
-                  <a:t>subject (with respect to this </a:t>
+                  <a:t>is the subject (with respect to this </a:t>
                 </a:r>
                 <a14:m>
                   <m:oMath xmlns:m="http://schemas.openxmlformats.org/officeDocument/2006/math">
@@ -15850,17 +15739,8 @@
               <a:p>
                 <a:r>
                   <a:rPr lang="en-US" dirty="0" smtClean="0"/>
-                  <a:t>Crucial</a:t>
+                  <a:t>Crucial: different experimental units must be capable of being assigned different treatments</a:t>
                 </a:r>
-                <a:r>
-                  <a:rPr lang="en-US" dirty="0" smtClean="0"/>
-                  <a:t>: different experimental units must be capable of being assigned different </a:t>
-                </a:r>
-                <a:r>
-                  <a:rPr lang="en-US" dirty="0" smtClean="0"/>
-                  <a:t>treatments</a:t>
-                </a:r>
-                <a:endParaRPr lang="en-US" dirty="0" smtClean="0"/>
               </a:p>
               <a:p>
                 <a:r>
@@ -15880,7 +15760,7 @@
             </p:txBody>
           </p:sp>
         </mc:Choice>
-        <mc:Fallback>
+        <mc:Fallback xmlns="">
           <p:sp>
             <p:nvSpPr>
               <p:cNvPr id="3" name="Content Placeholder 2"/>
@@ -16001,8 +15881,8 @@
           </a:p>
         </p:txBody>
       </p:sp>
-      <mc:AlternateContent xmlns:mc="http://schemas.openxmlformats.org/markup-compatibility/2006">
-        <mc:Choice xmlns:a14="http://schemas.microsoft.com/office/drawing/2010/main" Requires="a14">
+      <mc:AlternateContent xmlns:mc="http://schemas.openxmlformats.org/markup-compatibility/2006" xmlns:a14="http://schemas.microsoft.com/office/drawing/2010/main">
+        <mc:Choice Requires="a14">
           <p:sp>
             <p:nvSpPr>
               <p:cNvPr id="3" name="Content Placeholder 2"/>
@@ -16133,7 +16013,7 @@
             </p:txBody>
           </p:sp>
         </mc:Choice>
-        <mc:Fallback>
+        <mc:Fallback xmlns="">
           <p:sp>
             <p:nvSpPr>
               <p:cNvPr id="3" name="Content Placeholder 2"/>
@@ -16282,11 +16162,7 @@
           <a:p>
             <a:r>
               <a:rPr lang="en-US" b="1" dirty="0" smtClean="0"/>
-              <a:t>Example</a:t>
-            </a:r>
-            <a:r>
-              <a:rPr lang="en-US" b="1" dirty="0" smtClean="0"/>
-              <a:t>:</a:t>
+              <a:t>Example:</a:t>
             </a:r>
             <a:r>
               <a:rPr lang="en-US" dirty="0" smtClean="0"/>
@@ -16346,11 +16222,7 @@
             </a:r>
             <a:r>
               <a:rPr lang="en-US" dirty="0" smtClean="0"/>
-              <a:t>the </a:t>
-            </a:r>
-            <a:r>
-              <a:rPr lang="en-US" dirty="0" smtClean="0"/>
-              <a:t>aquariums </a:t>
+              <a:t>the aquariums </a:t>
             </a:r>
           </a:p>
           <a:p>
@@ -16400,7 +16272,6 @@
               <a:rPr lang="en-US" dirty="0" smtClean="0"/>
               <a:t>unit?</a:t>
             </a:r>
-            <a:endParaRPr lang="en-US" dirty="0" smtClean="0"/>
           </a:p>
           <a:p>
             <a:pPr>
@@ -16413,13 +16284,8 @@
             </a:r>
             <a:r>
               <a:rPr lang="en-US" dirty="0" smtClean="0"/>
-              <a:t>Is there replication</a:t>
-            </a:r>
-            <a:r>
-              <a:rPr lang="en-US" dirty="0" smtClean="0"/>
-              <a:t>?</a:t>
-            </a:r>
-            <a:endParaRPr lang="en-US" dirty="0" smtClean="0"/>
+              <a:t>Is there replication?</a:t>
+            </a:r>
           </a:p>
         </p:txBody>
       </p:sp>
@@ -16664,11 +16530,7 @@
           <a:p>
             <a:r>
               <a:rPr lang="en-US" b="1" dirty="0" smtClean="0"/>
-              <a:t>Example</a:t>
-            </a:r>
-            <a:r>
-              <a:rPr lang="en-US" b="1" dirty="0" smtClean="0"/>
-              <a:t>:</a:t>
+              <a:t>Example:</a:t>
             </a:r>
             <a:r>
               <a:rPr lang="en-US" dirty="0" smtClean="0"/>
@@ -16730,11 +16592,7 @@
             </a:pPr>
             <a:r>
               <a:rPr lang="en-US" dirty="0" smtClean="0"/>
-              <a:t> </a:t>
-            </a:r>
-            <a:r>
-              <a:rPr lang="en-US" dirty="0" smtClean="0"/>
-              <a:t>Wait </a:t>
+              <a:t> Wait </a:t>
             </a:r>
             <a:r>
               <a:rPr lang="en-US" dirty="0"/>
@@ -16770,17 +16628,8 @@
             </a:pPr>
             <a:r>
               <a:rPr lang="en-US" dirty="0" smtClean="0"/>
-              <a:t> </a:t>
-            </a:r>
-            <a:r>
-              <a:rPr lang="en-US" dirty="0" smtClean="0"/>
-              <a:t>Is there replication</a:t>
-            </a:r>
-            <a:r>
-              <a:rPr lang="en-US" dirty="0" smtClean="0"/>
-              <a:t>?</a:t>
-            </a:r>
-            <a:endParaRPr lang="en-US" dirty="0" smtClean="0"/>
+              <a:t> Is there replication?</a:t>
+            </a:r>
           </a:p>
         </p:txBody>
       </p:sp>

--- a/multiWayANOVA/13a_multiwayAnovaDarren.pptx
+++ b/multiWayANOVA/13a_multiwayAnovaDarren.pptx
@@ -5872,7 +5872,7 @@
           <a:p>
             <a:r>
               <a:rPr lang="en-US" dirty="0" smtClean="0"/>
-              <a:t>If factor </a:t>
+              <a:t>A factor </a:t>
             </a:r>
             <a:r>
               <a:rPr lang="en-US" dirty="0" smtClean="0"/>
@@ -5892,7 +5892,7 @@
             </a:r>
             <a:r>
               <a:rPr lang="en-US" dirty="0" smtClean="0"/>
-              <a:t>in a factor A if every level of B occurs within exactly one level of A</a:t>
+              <a:t>in a factor A if each level of B occurs in only one level of A</a:t>
             </a:r>
             <a:endParaRPr lang="en-US" dirty="0" smtClean="0"/>
           </a:p>
@@ -5993,7 +5993,7 @@
         </p:nvSpPr>
         <p:spPr>
           <a:xfrm>
-            <a:off x="822959" y="1693334"/>
+            <a:off x="822959" y="1676400"/>
             <a:ext cx="7543801" cy="4631266"/>
           </a:xfrm>
         </p:spPr>
@@ -6008,11 +6008,11 @@
               <a:t>“</a:t>
             </a:r>
             <a:r>
-              <a:rPr lang="en-US" sz="1900" dirty="0"/>
-              <a:t>If factor B is </a:t>
-            </a:r>
-            <a:r>
-              <a:rPr lang="en-US" sz="1900" b="1" u="sng" cap="small" dirty="0">
+              <a:rPr lang="en-US" sz="1800" dirty="0"/>
+              <a:t>A factor B is </a:t>
+            </a:r>
+            <a:r>
+              <a:rPr lang="en-US" sz="1800" b="1" u="sng" cap="small" dirty="0">
                 <a:solidFill>
                   <a:srgbClr val="FF0000"/>
                 </a:solidFill>
@@ -6020,28 +6020,16 @@
               <a:t>nested</a:t>
             </a:r>
             <a:r>
-              <a:rPr lang="en-US" sz="1900" dirty="0"/>
-              <a:t> in a factor A if </a:t>
+              <a:rPr lang="en-US" sz="1800" dirty="0"/>
+              <a:t> in a factor A if each level of B occurs in only one level of </a:t>
+            </a:r>
+            <a:r>
+              <a:rPr lang="en-US" sz="1800" dirty="0" smtClean="0"/>
+              <a:t>A</a:t>
             </a:r>
             <a:r>
               <a:rPr lang="en-US" sz="1900" dirty="0" smtClean="0"/>
-              <a:t>each </a:t>
-            </a:r>
-            <a:r>
-              <a:rPr lang="en-US" sz="1900" dirty="0"/>
-              <a:t>level of B occurs within </a:t>
-            </a:r>
-            <a:r>
-              <a:rPr lang="en-US" sz="1900" dirty="0" smtClean="0"/>
-              <a:t>only </a:t>
-            </a:r>
-            <a:r>
-              <a:rPr lang="en-US" sz="1900" dirty="0"/>
-              <a:t>one level of </a:t>
-            </a:r>
-            <a:r>
-              <a:rPr lang="en-US" sz="1900" dirty="0" smtClean="0"/>
-              <a:t>A”</a:t>
+              <a:t>”</a:t>
             </a:r>
             <a:endParaRPr lang="en-US" sz="1900" b="1" dirty="0" smtClean="0"/>
           </a:p>
@@ -6076,11 +6064,19 @@
           <a:p>
             <a:r>
               <a:rPr lang="en-US" sz="1900" dirty="0"/>
-              <a:t>In this case the treatment is nested in gender</a:t>
+              <a:t>In this case the treatment is nested in </a:t>
             </a:r>
             <a:r>
               <a:rPr lang="en-US" sz="1900" dirty="0" smtClean="0"/>
-              <a:t>.</a:t>
+              <a:t>gender</a:t>
+            </a:r>
+            <a:r>
+              <a:rPr lang="en-US" sz="1900" dirty="0"/>
+              <a:t> </a:t>
+            </a:r>
+            <a:r>
+              <a:rPr lang="en-US" sz="1900" dirty="0" smtClean="0"/>
+              <a:t>(in this case, gender is also nested in treatment, though it is more sensible the other way)</a:t>
             </a:r>
             <a:endParaRPr lang="en-US" sz="1900" b="1" dirty="0" smtClean="0"/>
           </a:p>
